--- a/documents/lecture_02/node.pptx
+++ b/documents/lecture_02/node.pptx
@@ -22,11 +22,11 @@
     <p:sldId id="309" r:id="rId13"/>
     <p:sldId id="316" r:id="rId14"/>
     <p:sldId id="286" r:id="rId15"/>
-    <p:sldId id="310" r:id="rId16"/>
-    <p:sldId id="284" r:id="rId17"/>
-    <p:sldId id="288" r:id="rId18"/>
+    <p:sldId id="284" r:id="rId16"/>
+    <p:sldId id="288" r:id="rId17"/>
+    <p:sldId id="296" r:id="rId18"/>
     <p:sldId id="294" r:id="rId19"/>
-    <p:sldId id="296" r:id="rId20"/>
+    <p:sldId id="310" r:id="rId20"/>
     <p:sldId id="313" r:id="rId21"/>
     <p:sldId id="311" r:id="rId22"/>
     <p:sldId id="298" r:id="rId23"/>
@@ -816,7 +816,7 @@
           <a:p>
             <a:fld id="{A1D9BCD3-6290-6946-BE22-3B229B7E5DF7}" type="slidenum">
               <a:rPr lang="en-US" smtClean="0"/>
-              <a:t>16</a:t>
+              <a:t>15</a:t>
             </a:fld>
             <a:endParaRPr lang="en-US"/>
           </a:p>
@@ -900,7 +900,7 @@
           <a:p>
             <a:fld id="{A1D9BCD3-6290-6946-BE22-3B229B7E5DF7}" type="slidenum">
               <a:rPr lang="en-US" smtClean="0"/>
-              <a:t>17</a:t>
+              <a:t>16</a:t>
             </a:fld>
             <a:endParaRPr lang="en-US"/>
           </a:p>
@@ -984,7 +984,7 @@
           <a:p>
             <a:fld id="{A1D9BCD3-6290-6946-BE22-3B229B7E5DF7}" type="slidenum">
               <a:rPr lang="en-US" smtClean="0"/>
-              <a:t>18</a:t>
+              <a:t>17</a:t>
             </a:fld>
             <a:endParaRPr lang="en-US"/>
           </a:p>
@@ -993,7 +993,7 @@
     </p:spTree>
     <p:extLst>
       <p:ext uri="{BB962C8B-B14F-4D97-AF65-F5344CB8AC3E}">
-        <p14:creationId xmlns:p14="http://schemas.microsoft.com/office/powerpoint/2010/main" val="4251237093"/>
+        <p14:creationId xmlns:p14="http://schemas.microsoft.com/office/powerpoint/2010/main" val="807552083"/>
       </p:ext>
     </p:extLst>
   </p:cSld>
@@ -1068,7 +1068,7 @@
           <a:p>
             <a:fld id="{A1D9BCD3-6290-6946-BE22-3B229B7E5DF7}" type="slidenum">
               <a:rPr lang="en-US" smtClean="0"/>
-              <a:t>19</a:t>
+              <a:t>18</a:t>
             </a:fld>
             <a:endParaRPr lang="en-US"/>
           </a:p>
@@ -1077,7 +1077,7 @@
     </p:spTree>
     <p:extLst>
       <p:ext uri="{BB962C8B-B14F-4D97-AF65-F5344CB8AC3E}">
-        <p14:creationId xmlns:p14="http://schemas.microsoft.com/office/powerpoint/2010/main" val="807552083"/>
+        <p14:creationId xmlns:p14="http://schemas.microsoft.com/office/powerpoint/2010/main" val="4251237093"/>
       </p:ext>
     </p:extLst>
   </p:cSld>
@@ -5364,11 +5364,7 @@
             </a:r>
             <a:r>
               <a:rPr lang="en-US" sz="3200" dirty="0" smtClean="0"/>
-              <a:t>with </a:t>
-            </a:r>
-            <a:r>
-              <a:rPr lang="en-US" sz="3200" dirty="0" smtClean="0"/>
-              <a:t>application </a:t>
+              <a:t>with application </a:t>
             </a:r>
             <a:r>
               <a:rPr lang="en-US" sz="3200" dirty="0"/>
@@ -5722,6 +5718,570 @@
 </file>
 
 <file path=ppt/slides/slide15.xml><?xml version="1.0" encoding="utf-8"?>
+<p:sld xmlns:a="http://schemas.openxmlformats.org/drawingml/2006/main" xmlns:r="http://schemas.openxmlformats.org/officeDocument/2006/relationships" xmlns:p="http://schemas.openxmlformats.org/presentationml/2006/main">
+  <p:cSld>
+    <p:spTree>
+      <p:nvGrpSpPr>
+        <p:cNvPr id="1" name=""/>
+        <p:cNvGrpSpPr/>
+        <p:nvPr/>
+      </p:nvGrpSpPr>
+      <p:grpSpPr>
+        <a:xfrm>
+          <a:off x="0" y="0"/>
+          <a:ext cx="0" cy="0"/>
+          <a:chOff x="0" y="0"/>
+          <a:chExt cx="0" cy="0"/>
+        </a:xfrm>
+      </p:grpSpPr>
+      <p:pic>
+        <p:nvPicPr>
+          <p:cNvPr id="3" name="Picture 2" descr="npm.png"/>
+          <p:cNvPicPr>
+            <a:picLocks noChangeAspect="1"/>
+          </p:cNvPicPr>
+          <p:nvPr/>
+        </p:nvPicPr>
+        <p:blipFill>
+          <a:blip r:embed="rId3">
+            <a:extLst>
+              <a:ext uri="{28A0092B-C50C-407E-A947-70E740481C1C}">
+                <a14:useLocalDpi xmlns:a14="http://schemas.microsoft.com/office/drawing/2010/main" val="0"/>
+              </a:ext>
+            </a:extLst>
+          </a:blip>
+          <a:stretch>
+            <a:fillRect/>
+          </a:stretch>
+        </p:blipFill>
+        <p:spPr>
+          <a:xfrm>
+            <a:off x="1842516" y="1509981"/>
+            <a:ext cx="5458968" cy="2123539"/>
+          </a:xfrm>
+          <a:prstGeom prst="rect">
+            <a:avLst/>
+          </a:prstGeom>
+        </p:spPr>
+      </p:pic>
+      <p:sp>
+        <p:nvSpPr>
+          <p:cNvPr id="4" name="TextBox 3"/>
+          <p:cNvSpPr txBox="1"/>
+          <p:nvPr/>
+        </p:nvSpPr>
+        <p:spPr>
+          <a:xfrm>
+            <a:off x="1730748" y="3673717"/>
+            <a:ext cx="5682504" cy="954107"/>
+          </a:xfrm>
+          <a:prstGeom prst="rect">
+            <a:avLst/>
+          </a:prstGeom>
+          <a:noFill/>
+        </p:spPr>
+        <p:txBody>
+          <a:bodyPr wrap="square" rtlCol="0">
+            <a:spAutoFit/>
+          </a:bodyPr>
+          <a:lstStyle/>
+          <a:p>
+            <a:r>
+              <a:rPr lang="en-US" sz="2800" dirty="0"/>
+              <a:t>Package manager. Installs, publishes and manages node programs</a:t>
+            </a:r>
+          </a:p>
+        </p:txBody>
+      </p:sp>
+      <p:sp>
+        <p:nvSpPr>
+          <p:cNvPr id="6" name="Title 5"/>
+          <p:cNvSpPr>
+            <a:spLocks noGrp="1"/>
+          </p:cNvSpPr>
+          <p:nvPr>
+            <p:ph type="title"/>
+          </p:nvPr>
+        </p:nvSpPr>
+        <p:spPr/>
+        <p:txBody>
+          <a:bodyPr/>
+          <a:lstStyle/>
+          <a:p>
+            <a:r>
+              <a:rPr lang="en-US" dirty="0" smtClean="0"/>
+              <a:t>What is npm?</a:t>
+            </a:r>
+            <a:endParaRPr lang="en-US" dirty="0"/>
+          </a:p>
+        </p:txBody>
+      </p:sp>
+      <p:sp>
+        <p:nvSpPr>
+          <p:cNvPr id="7" name="TextBox 6"/>
+          <p:cNvSpPr txBox="1"/>
+          <p:nvPr/>
+        </p:nvSpPr>
+        <p:spPr>
+          <a:xfrm rot="16200000">
+            <a:off x="6379262" y="2279362"/>
+            <a:ext cx="4429418" cy="584776"/>
+          </a:xfrm>
+          <a:prstGeom prst="rect">
+            <a:avLst/>
+          </a:prstGeom>
+          <a:noFill/>
+        </p:spPr>
+        <p:txBody>
+          <a:bodyPr wrap="none" rtlCol="0">
+            <a:spAutoFit/>
+          </a:bodyPr>
+          <a:lstStyle/>
+          <a:p>
+            <a:r>
+              <a:rPr lang="en-US" sz="3200" b="1" noProof="1" smtClean="0">
+                <a:solidFill>
+                  <a:schemeClr val="bg1">
+                    <a:lumMod val="75000"/>
+                  </a:schemeClr>
+                </a:solidFill>
+              </a:rPr>
+              <a:t>https://www.npmjs.com</a:t>
+            </a:r>
+            <a:endParaRPr lang="en-US" sz="3200" b="1" noProof="1">
+              <a:solidFill>
+                <a:schemeClr val="bg1">
+                  <a:lumMod val="75000"/>
+                </a:schemeClr>
+              </a:solidFill>
+            </a:endParaRPr>
+          </a:p>
+        </p:txBody>
+      </p:sp>
+    </p:spTree>
+    <p:extLst>
+      <p:ext uri="{BB962C8B-B14F-4D97-AF65-F5344CB8AC3E}">
+        <p14:creationId xmlns:p14="http://schemas.microsoft.com/office/powerpoint/2010/main" val="765578836"/>
+      </p:ext>
+    </p:extLst>
+  </p:cSld>
+  <p:clrMapOvr>
+    <a:masterClrMapping/>
+  </p:clrMapOvr>
+  <p:timing>
+    <p:tnLst>
+      <p:par>
+        <p:cTn id="1" dur="indefinite" restart="never" nodeType="tmRoot"/>
+      </p:par>
+    </p:tnLst>
+  </p:timing>
+</p:sld>
+</file>
+
+<file path=ppt/slides/slide16.xml><?xml version="1.0" encoding="utf-8"?>
+<p:sld xmlns:a="http://schemas.openxmlformats.org/drawingml/2006/main" xmlns:r="http://schemas.openxmlformats.org/officeDocument/2006/relationships" xmlns:p="http://schemas.openxmlformats.org/presentationml/2006/main">
+  <p:cSld>
+    <p:spTree>
+      <p:nvGrpSpPr>
+        <p:cNvPr id="1" name=""/>
+        <p:cNvGrpSpPr/>
+        <p:nvPr/>
+      </p:nvGrpSpPr>
+      <p:grpSpPr>
+        <a:xfrm>
+          <a:off x="0" y="0"/>
+          <a:ext cx="0" cy="0"/>
+          <a:chOff x="0" y="0"/>
+          <a:chExt cx="0" cy="0"/>
+        </a:xfrm>
+      </p:grpSpPr>
+      <p:sp>
+        <p:nvSpPr>
+          <p:cNvPr id="2" name="Title 1"/>
+          <p:cNvSpPr>
+            <a:spLocks noGrp="1"/>
+          </p:cNvSpPr>
+          <p:nvPr>
+            <p:ph type="title"/>
+          </p:nvPr>
+        </p:nvSpPr>
+        <p:spPr/>
+        <p:txBody>
+          <a:bodyPr/>
+          <a:lstStyle/>
+          <a:p>
+            <a:r>
+              <a:rPr lang="en-US" dirty="0" smtClean="0"/>
+              <a:t>What is </a:t>
+            </a:r>
+            <a:r>
+              <a:rPr lang="en-US" dirty="0" err="1" smtClean="0"/>
+              <a:t>npm</a:t>
+            </a:r>
+            <a:r>
+              <a:rPr lang="en-US" dirty="0" smtClean="0"/>
+              <a:t>? Largest Ecosystem</a:t>
+            </a:r>
+            <a:endParaRPr lang="en-US" dirty="0"/>
+          </a:p>
+        </p:txBody>
+      </p:sp>
+      <p:sp>
+        <p:nvSpPr>
+          <p:cNvPr id="3" name="TextBox 2"/>
+          <p:cNvSpPr txBox="1"/>
+          <p:nvPr/>
+        </p:nvSpPr>
+        <p:spPr>
+          <a:xfrm>
+            <a:off x="1388853" y="1417588"/>
+            <a:ext cx="6564361" cy="2308324"/>
+          </a:xfrm>
+          <a:prstGeom prst="rect">
+            <a:avLst/>
+          </a:prstGeom>
+          <a:noFill/>
+        </p:spPr>
+        <p:txBody>
+          <a:bodyPr wrap="none" rtlCol="0">
+            <a:spAutoFit/>
+          </a:bodyPr>
+          <a:lstStyle/>
+          <a:p>
+            <a:r>
+              <a:rPr lang="en-US" sz="7200" b="1" smtClean="0"/>
+              <a:t>475K </a:t>
+            </a:r>
+            <a:r>
+              <a:rPr lang="en-US" sz="7200" b="1" dirty="0" smtClean="0"/>
+              <a:t>Modules</a:t>
+            </a:r>
+            <a:br>
+              <a:rPr lang="en-US" sz="7200" b="1" dirty="0" smtClean="0"/>
+            </a:br>
+            <a:r>
+              <a:rPr lang="en-US" sz="7200" b="1" dirty="0" smtClean="0"/>
+              <a:t>2.7 Billion/Week</a:t>
+            </a:r>
+            <a:endParaRPr lang="en-US" sz="7200" b="1" dirty="0"/>
+          </a:p>
+        </p:txBody>
+      </p:sp>
+    </p:spTree>
+    <p:extLst>
+      <p:ext uri="{BB962C8B-B14F-4D97-AF65-F5344CB8AC3E}">
+        <p14:creationId xmlns:p14="http://schemas.microsoft.com/office/powerpoint/2010/main" val="4197211546"/>
+      </p:ext>
+    </p:extLst>
+  </p:cSld>
+  <p:clrMapOvr>
+    <a:masterClrMapping/>
+  </p:clrMapOvr>
+  <p:timing>
+    <p:tnLst>
+      <p:par>
+        <p:cTn id="1" dur="indefinite" restart="never" nodeType="tmRoot"/>
+      </p:par>
+    </p:tnLst>
+  </p:timing>
+</p:sld>
+</file>
+
+<file path=ppt/slides/slide17.xml><?xml version="1.0" encoding="utf-8"?>
+<p:sld xmlns:a="http://schemas.openxmlformats.org/drawingml/2006/main" xmlns:r="http://schemas.openxmlformats.org/officeDocument/2006/relationships" xmlns:p="http://schemas.openxmlformats.org/presentationml/2006/main">
+  <p:cSld>
+    <p:spTree>
+      <p:nvGrpSpPr>
+        <p:cNvPr id="1" name=""/>
+        <p:cNvGrpSpPr/>
+        <p:nvPr/>
+      </p:nvGrpSpPr>
+      <p:grpSpPr>
+        <a:xfrm>
+          <a:off x="0" y="0"/>
+          <a:ext cx="0" cy="0"/>
+          <a:chOff x="0" y="0"/>
+          <a:chExt cx="0" cy="0"/>
+        </a:xfrm>
+      </p:grpSpPr>
+      <p:sp>
+        <p:nvSpPr>
+          <p:cNvPr id="2" name="Title 1"/>
+          <p:cNvSpPr>
+            <a:spLocks noGrp="1"/>
+          </p:cNvSpPr>
+          <p:nvPr>
+            <p:ph type="title"/>
+          </p:nvPr>
+        </p:nvSpPr>
+        <p:spPr/>
+        <p:txBody>
+          <a:bodyPr/>
+          <a:lstStyle/>
+          <a:p>
+            <a:r>
+              <a:rPr lang="en-US" dirty="0" smtClean="0"/>
+              <a:t>Advantages</a:t>
+            </a:r>
+            <a:endParaRPr lang="en-US" dirty="0"/>
+          </a:p>
+        </p:txBody>
+      </p:sp>
+      <p:sp>
+        <p:nvSpPr>
+          <p:cNvPr id="3" name="Content Placeholder 2"/>
+          <p:cNvSpPr>
+            <a:spLocks noGrp="1"/>
+          </p:cNvSpPr>
+          <p:nvPr>
+            <p:ph idx="1"/>
+          </p:nvPr>
+        </p:nvSpPr>
+        <p:spPr/>
+        <p:txBody>
+          <a:bodyPr/>
+          <a:lstStyle/>
+          <a:p>
+            <a:r>
+              <a:rPr lang="en-US" dirty="0" smtClean="0"/>
+              <a:t>Small pieces, loosely joined</a:t>
+            </a:r>
+          </a:p>
+          <a:p>
+            <a:r>
+              <a:rPr lang="en-US" dirty="0" smtClean="0"/>
+              <a:t>Leverage external packages</a:t>
+            </a:r>
+          </a:p>
+          <a:p>
+            <a:r>
+              <a:rPr lang="en-US" dirty="0" smtClean="0"/>
+              <a:t>Leverage internal packages</a:t>
+            </a:r>
+          </a:p>
+          <a:p>
+            <a:r>
+              <a:rPr lang="en-US" dirty="0" smtClean="0"/>
+              <a:t>Facilitate collaboration</a:t>
+            </a:r>
+          </a:p>
+          <a:p>
+            <a:r>
+              <a:rPr lang="en-US" dirty="0" smtClean="0"/>
+              <a:t>Packages are discoverable in npm</a:t>
+            </a:r>
+            <a:endParaRPr lang="en-US" dirty="0"/>
+          </a:p>
+        </p:txBody>
+      </p:sp>
+    </p:spTree>
+    <p:extLst>
+      <p:ext uri="{BB962C8B-B14F-4D97-AF65-F5344CB8AC3E}">
+        <p14:creationId xmlns:p14="http://schemas.microsoft.com/office/powerpoint/2010/main" val="1093460469"/>
+      </p:ext>
+    </p:extLst>
+  </p:cSld>
+  <p:clrMapOvr>
+    <a:masterClrMapping/>
+  </p:clrMapOvr>
+  <p:timing>
+    <p:tnLst>
+      <p:par>
+        <p:cTn id="1" dur="indefinite" restart="never" nodeType="tmRoot"/>
+      </p:par>
+    </p:tnLst>
+  </p:timing>
+</p:sld>
+</file>
+
+<file path=ppt/slides/slide18.xml><?xml version="1.0" encoding="utf-8"?>
+<p:sld xmlns:a="http://schemas.openxmlformats.org/drawingml/2006/main" xmlns:r="http://schemas.openxmlformats.org/officeDocument/2006/relationships" xmlns:p="http://schemas.openxmlformats.org/presentationml/2006/main">
+  <p:cSld>
+    <p:spTree>
+      <p:nvGrpSpPr>
+        <p:cNvPr id="1" name=""/>
+        <p:cNvGrpSpPr/>
+        <p:nvPr/>
+      </p:nvGrpSpPr>
+      <p:grpSpPr>
+        <a:xfrm>
+          <a:off x="0" y="0"/>
+          <a:ext cx="0" cy="0"/>
+          <a:chOff x="0" y="0"/>
+          <a:chExt cx="0" cy="0"/>
+        </a:xfrm>
+      </p:grpSpPr>
+      <p:sp>
+        <p:nvSpPr>
+          <p:cNvPr id="2" name="Title 1"/>
+          <p:cNvSpPr>
+            <a:spLocks noGrp="1"/>
+          </p:cNvSpPr>
+          <p:nvPr>
+            <p:ph type="title"/>
+          </p:nvPr>
+        </p:nvSpPr>
+        <p:spPr/>
+        <p:txBody>
+          <a:bodyPr/>
+          <a:lstStyle/>
+          <a:p>
+            <a:r>
+              <a:rPr lang="en-US" dirty="0" smtClean="0"/>
+              <a:t>What is a Module?</a:t>
+            </a:r>
+            <a:endParaRPr lang="en-US" dirty="0"/>
+          </a:p>
+        </p:txBody>
+      </p:sp>
+      <p:sp>
+        <p:nvSpPr>
+          <p:cNvPr id="3" name="TextBox 2"/>
+          <p:cNvSpPr txBox="1"/>
+          <p:nvPr/>
+        </p:nvSpPr>
+        <p:spPr>
+          <a:xfrm>
+            <a:off x="2635936" y="1324972"/>
+            <a:ext cx="3962849" cy="830997"/>
+          </a:xfrm>
+          <a:prstGeom prst="rect">
+            <a:avLst/>
+          </a:prstGeom>
+          <a:noFill/>
+        </p:spPr>
+        <p:txBody>
+          <a:bodyPr wrap="square" rtlCol="0">
+            <a:spAutoFit/>
+          </a:bodyPr>
+          <a:lstStyle/>
+          <a:p>
+            <a:r>
+              <a:rPr lang="en-US" sz="2400" dirty="0"/>
+              <a:t>A Module is some </a:t>
+            </a:r>
+            <a:r>
+              <a:rPr lang="en-US" sz="2400" dirty="0" smtClean="0"/>
+              <a:t>JavaScript </a:t>
+            </a:r>
+            <a:r>
+              <a:rPr lang="en-US" sz="2400" dirty="0"/>
+              <a:t>paired with a package.json file</a:t>
+            </a:r>
+          </a:p>
+        </p:txBody>
+      </p:sp>
+      <p:pic>
+        <p:nvPicPr>
+          <p:cNvPr id="4" name="Picture 3" descr="javascript_icon.png"/>
+          <p:cNvPicPr>
+            <a:picLocks noChangeAspect="1"/>
+          </p:cNvPicPr>
+          <p:nvPr/>
+        </p:nvPicPr>
+        <p:blipFill>
+          <a:blip r:embed="rId3">
+            <a:extLst>
+              <a:ext uri="{28A0092B-C50C-407E-A947-70E740481C1C}">
+                <a14:useLocalDpi xmlns:a14="http://schemas.microsoft.com/office/drawing/2010/main" val="0"/>
+              </a:ext>
+            </a:extLst>
+          </a:blip>
+          <a:stretch>
+            <a:fillRect/>
+          </a:stretch>
+        </p:blipFill>
+        <p:spPr>
+          <a:xfrm>
+            <a:off x="1935534" y="2648421"/>
+            <a:ext cx="1828800" cy="1828800"/>
+          </a:xfrm>
+          <a:prstGeom prst="rect">
+            <a:avLst/>
+          </a:prstGeom>
+        </p:spPr>
+      </p:pic>
+      <p:pic>
+        <p:nvPicPr>
+          <p:cNvPr id="5" name="Picture 4" descr="json_icon.png"/>
+          <p:cNvPicPr>
+            <a:picLocks noChangeAspect="1"/>
+          </p:cNvPicPr>
+          <p:nvPr/>
+        </p:nvPicPr>
+        <p:blipFill>
+          <a:blip r:embed="rId4">
+            <a:extLst>
+              <a:ext uri="{28A0092B-C50C-407E-A947-70E740481C1C}">
+                <a14:useLocalDpi xmlns:a14="http://schemas.microsoft.com/office/drawing/2010/main" val="0"/>
+              </a:ext>
+            </a:extLst>
+          </a:blip>
+          <a:stretch>
+            <a:fillRect/>
+          </a:stretch>
+        </p:blipFill>
+        <p:spPr>
+          <a:xfrm>
+            <a:off x="5583786" y="2648421"/>
+            <a:ext cx="1828800" cy="1828800"/>
+          </a:xfrm>
+          <a:prstGeom prst="rect">
+            <a:avLst/>
+          </a:prstGeom>
+        </p:spPr>
+      </p:pic>
+      <p:sp>
+        <p:nvSpPr>
+          <p:cNvPr id="6" name="TextBox 5"/>
+          <p:cNvSpPr txBox="1"/>
+          <p:nvPr/>
+        </p:nvSpPr>
+        <p:spPr>
+          <a:xfrm>
+            <a:off x="4224189" y="2829841"/>
+            <a:ext cx="695623" cy="1323439"/>
+          </a:xfrm>
+          <a:prstGeom prst="rect">
+            <a:avLst/>
+          </a:prstGeom>
+          <a:noFill/>
+        </p:spPr>
+        <p:txBody>
+          <a:bodyPr wrap="none" rtlCol="0">
+            <a:spAutoFit/>
+          </a:bodyPr>
+          <a:lstStyle/>
+          <a:p>
+            <a:r>
+              <a:rPr lang="en-US" sz="8000" dirty="0" smtClean="0"/>
+              <a:t>+</a:t>
+            </a:r>
+            <a:endParaRPr lang="en-US" sz="8000" dirty="0"/>
+          </a:p>
+        </p:txBody>
+      </p:sp>
+    </p:spTree>
+    <p:extLst>
+      <p:ext uri="{BB962C8B-B14F-4D97-AF65-F5344CB8AC3E}">
+        <p14:creationId xmlns:p14="http://schemas.microsoft.com/office/powerpoint/2010/main" val="4206617975"/>
+      </p:ext>
+    </p:extLst>
+  </p:cSld>
+  <p:clrMapOvr>
+    <a:masterClrMapping/>
+  </p:clrMapOvr>
+  <p:timing>
+    <p:tnLst>
+      <p:par>
+        <p:cTn id="1" dur="indefinite" restart="never" nodeType="tmRoot"/>
+      </p:par>
+    </p:tnLst>
+  </p:timing>
+</p:sld>
+</file>
+
+<file path=ppt/slides/slide19.xml><?xml version="1.0" encoding="utf-8"?>
 <p:sld xmlns:a="http://schemas.openxmlformats.org/drawingml/2006/main" xmlns:r="http://schemas.openxmlformats.org/officeDocument/2006/relationships" xmlns:p="http://schemas.openxmlformats.org/presentationml/2006/main">
   <p:cSld>
     <p:spTree>
@@ -6210,570 +6770,6 @@
   <p:clrMapOvr>
     <a:masterClrMapping/>
   </p:clrMapOvr>
-</p:sld>
-</file>
-
-<file path=ppt/slides/slide16.xml><?xml version="1.0" encoding="utf-8"?>
-<p:sld xmlns:a="http://schemas.openxmlformats.org/drawingml/2006/main" xmlns:r="http://schemas.openxmlformats.org/officeDocument/2006/relationships" xmlns:p="http://schemas.openxmlformats.org/presentationml/2006/main">
-  <p:cSld>
-    <p:spTree>
-      <p:nvGrpSpPr>
-        <p:cNvPr id="1" name=""/>
-        <p:cNvGrpSpPr/>
-        <p:nvPr/>
-      </p:nvGrpSpPr>
-      <p:grpSpPr>
-        <a:xfrm>
-          <a:off x="0" y="0"/>
-          <a:ext cx="0" cy="0"/>
-          <a:chOff x="0" y="0"/>
-          <a:chExt cx="0" cy="0"/>
-        </a:xfrm>
-      </p:grpSpPr>
-      <p:pic>
-        <p:nvPicPr>
-          <p:cNvPr id="3" name="Picture 2" descr="npm.png"/>
-          <p:cNvPicPr>
-            <a:picLocks noChangeAspect="1"/>
-          </p:cNvPicPr>
-          <p:nvPr/>
-        </p:nvPicPr>
-        <p:blipFill>
-          <a:blip r:embed="rId3">
-            <a:extLst>
-              <a:ext uri="{28A0092B-C50C-407E-A947-70E740481C1C}">
-                <a14:useLocalDpi xmlns:a14="http://schemas.microsoft.com/office/drawing/2010/main" val="0"/>
-              </a:ext>
-            </a:extLst>
-          </a:blip>
-          <a:stretch>
-            <a:fillRect/>
-          </a:stretch>
-        </p:blipFill>
-        <p:spPr>
-          <a:xfrm>
-            <a:off x="1842516" y="1509981"/>
-            <a:ext cx="5458968" cy="2123539"/>
-          </a:xfrm>
-          <a:prstGeom prst="rect">
-            <a:avLst/>
-          </a:prstGeom>
-        </p:spPr>
-      </p:pic>
-      <p:sp>
-        <p:nvSpPr>
-          <p:cNvPr id="4" name="TextBox 3"/>
-          <p:cNvSpPr txBox="1"/>
-          <p:nvPr/>
-        </p:nvSpPr>
-        <p:spPr>
-          <a:xfrm>
-            <a:off x="1730748" y="3673717"/>
-            <a:ext cx="5682504" cy="954107"/>
-          </a:xfrm>
-          <a:prstGeom prst="rect">
-            <a:avLst/>
-          </a:prstGeom>
-          <a:noFill/>
-        </p:spPr>
-        <p:txBody>
-          <a:bodyPr wrap="square" rtlCol="0">
-            <a:spAutoFit/>
-          </a:bodyPr>
-          <a:lstStyle/>
-          <a:p>
-            <a:r>
-              <a:rPr lang="en-US" sz="2800" dirty="0"/>
-              <a:t>Package manager. Installs, publishes and manages node programs</a:t>
-            </a:r>
-          </a:p>
-        </p:txBody>
-      </p:sp>
-      <p:sp>
-        <p:nvSpPr>
-          <p:cNvPr id="6" name="Title 5"/>
-          <p:cNvSpPr>
-            <a:spLocks noGrp="1"/>
-          </p:cNvSpPr>
-          <p:nvPr>
-            <p:ph type="title"/>
-          </p:nvPr>
-        </p:nvSpPr>
-        <p:spPr/>
-        <p:txBody>
-          <a:bodyPr/>
-          <a:lstStyle/>
-          <a:p>
-            <a:r>
-              <a:rPr lang="en-US" dirty="0" smtClean="0"/>
-              <a:t>What is npm?</a:t>
-            </a:r>
-            <a:endParaRPr lang="en-US" dirty="0"/>
-          </a:p>
-        </p:txBody>
-      </p:sp>
-      <p:sp>
-        <p:nvSpPr>
-          <p:cNvPr id="7" name="TextBox 6"/>
-          <p:cNvSpPr txBox="1"/>
-          <p:nvPr/>
-        </p:nvSpPr>
-        <p:spPr>
-          <a:xfrm rot="16200000">
-            <a:off x="6379262" y="2279362"/>
-            <a:ext cx="4429418" cy="584776"/>
-          </a:xfrm>
-          <a:prstGeom prst="rect">
-            <a:avLst/>
-          </a:prstGeom>
-          <a:noFill/>
-        </p:spPr>
-        <p:txBody>
-          <a:bodyPr wrap="none" rtlCol="0">
-            <a:spAutoFit/>
-          </a:bodyPr>
-          <a:lstStyle/>
-          <a:p>
-            <a:r>
-              <a:rPr lang="en-US" sz="3200" b="1" noProof="1" smtClean="0">
-                <a:solidFill>
-                  <a:schemeClr val="bg1">
-                    <a:lumMod val="75000"/>
-                  </a:schemeClr>
-                </a:solidFill>
-              </a:rPr>
-              <a:t>https://www.npmjs.com</a:t>
-            </a:r>
-            <a:endParaRPr lang="en-US" sz="3200" b="1" noProof="1">
-              <a:solidFill>
-                <a:schemeClr val="bg1">
-                  <a:lumMod val="75000"/>
-                </a:schemeClr>
-              </a:solidFill>
-            </a:endParaRPr>
-          </a:p>
-        </p:txBody>
-      </p:sp>
-    </p:spTree>
-    <p:extLst>
-      <p:ext uri="{BB962C8B-B14F-4D97-AF65-F5344CB8AC3E}">
-        <p14:creationId xmlns:p14="http://schemas.microsoft.com/office/powerpoint/2010/main" val="765578836"/>
-      </p:ext>
-    </p:extLst>
-  </p:cSld>
-  <p:clrMapOvr>
-    <a:masterClrMapping/>
-  </p:clrMapOvr>
-  <p:timing>
-    <p:tnLst>
-      <p:par>
-        <p:cTn id="1" dur="indefinite" restart="never" nodeType="tmRoot"/>
-      </p:par>
-    </p:tnLst>
-  </p:timing>
-</p:sld>
-</file>
-
-<file path=ppt/slides/slide17.xml><?xml version="1.0" encoding="utf-8"?>
-<p:sld xmlns:a="http://schemas.openxmlformats.org/drawingml/2006/main" xmlns:r="http://schemas.openxmlformats.org/officeDocument/2006/relationships" xmlns:p="http://schemas.openxmlformats.org/presentationml/2006/main">
-  <p:cSld>
-    <p:spTree>
-      <p:nvGrpSpPr>
-        <p:cNvPr id="1" name=""/>
-        <p:cNvGrpSpPr/>
-        <p:nvPr/>
-      </p:nvGrpSpPr>
-      <p:grpSpPr>
-        <a:xfrm>
-          <a:off x="0" y="0"/>
-          <a:ext cx="0" cy="0"/>
-          <a:chOff x="0" y="0"/>
-          <a:chExt cx="0" cy="0"/>
-        </a:xfrm>
-      </p:grpSpPr>
-      <p:sp>
-        <p:nvSpPr>
-          <p:cNvPr id="2" name="Title 1"/>
-          <p:cNvSpPr>
-            <a:spLocks noGrp="1"/>
-          </p:cNvSpPr>
-          <p:nvPr>
-            <p:ph type="title"/>
-          </p:nvPr>
-        </p:nvSpPr>
-        <p:spPr/>
-        <p:txBody>
-          <a:bodyPr/>
-          <a:lstStyle/>
-          <a:p>
-            <a:r>
-              <a:rPr lang="en-US" dirty="0" smtClean="0"/>
-              <a:t>What is </a:t>
-            </a:r>
-            <a:r>
-              <a:rPr lang="en-US" dirty="0" err="1" smtClean="0"/>
-              <a:t>npm</a:t>
-            </a:r>
-            <a:r>
-              <a:rPr lang="en-US" dirty="0" smtClean="0"/>
-              <a:t>? Largest Ecosystem</a:t>
-            </a:r>
-            <a:endParaRPr lang="en-US" dirty="0"/>
-          </a:p>
-        </p:txBody>
-      </p:sp>
-      <p:sp>
-        <p:nvSpPr>
-          <p:cNvPr id="3" name="TextBox 2"/>
-          <p:cNvSpPr txBox="1"/>
-          <p:nvPr/>
-        </p:nvSpPr>
-        <p:spPr>
-          <a:xfrm>
-            <a:off x="1388853" y="1417588"/>
-            <a:ext cx="6564361" cy="2308324"/>
-          </a:xfrm>
-          <a:prstGeom prst="rect">
-            <a:avLst/>
-          </a:prstGeom>
-          <a:noFill/>
-        </p:spPr>
-        <p:txBody>
-          <a:bodyPr wrap="none" rtlCol="0">
-            <a:spAutoFit/>
-          </a:bodyPr>
-          <a:lstStyle/>
-          <a:p>
-            <a:r>
-              <a:rPr lang="en-US" sz="7200" b="1" smtClean="0"/>
-              <a:t>475K </a:t>
-            </a:r>
-            <a:r>
-              <a:rPr lang="en-US" sz="7200" b="1" dirty="0" smtClean="0"/>
-              <a:t>Modules</a:t>
-            </a:r>
-            <a:br>
-              <a:rPr lang="en-US" sz="7200" b="1" dirty="0" smtClean="0"/>
-            </a:br>
-            <a:r>
-              <a:rPr lang="en-US" sz="7200" b="1" dirty="0" smtClean="0"/>
-              <a:t>2.7 Billion/Week</a:t>
-            </a:r>
-            <a:endParaRPr lang="en-US" sz="7200" b="1" dirty="0"/>
-          </a:p>
-        </p:txBody>
-      </p:sp>
-    </p:spTree>
-    <p:extLst>
-      <p:ext uri="{BB962C8B-B14F-4D97-AF65-F5344CB8AC3E}">
-        <p14:creationId xmlns:p14="http://schemas.microsoft.com/office/powerpoint/2010/main" val="4197211546"/>
-      </p:ext>
-    </p:extLst>
-  </p:cSld>
-  <p:clrMapOvr>
-    <a:masterClrMapping/>
-  </p:clrMapOvr>
-  <p:timing>
-    <p:tnLst>
-      <p:par>
-        <p:cTn id="1" dur="indefinite" restart="never" nodeType="tmRoot"/>
-      </p:par>
-    </p:tnLst>
-  </p:timing>
-</p:sld>
-</file>
-
-<file path=ppt/slides/slide18.xml><?xml version="1.0" encoding="utf-8"?>
-<p:sld xmlns:a="http://schemas.openxmlformats.org/drawingml/2006/main" xmlns:r="http://schemas.openxmlformats.org/officeDocument/2006/relationships" xmlns:p="http://schemas.openxmlformats.org/presentationml/2006/main">
-  <p:cSld>
-    <p:spTree>
-      <p:nvGrpSpPr>
-        <p:cNvPr id="1" name=""/>
-        <p:cNvGrpSpPr/>
-        <p:nvPr/>
-      </p:nvGrpSpPr>
-      <p:grpSpPr>
-        <a:xfrm>
-          <a:off x="0" y="0"/>
-          <a:ext cx="0" cy="0"/>
-          <a:chOff x="0" y="0"/>
-          <a:chExt cx="0" cy="0"/>
-        </a:xfrm>
-      </p:grpSpPr>
-      <p:sp>
-        <p:nvSpPr>
-          <p:cNvPr id="2" name="Title 1"/>
-          <p:cNvSpPr>
-            <a:spLocks noGrp="1"/>
-          </p:cNvSpPr>
-          <p:nvPr>
-            <p:ph type="title"/>
-          </p:nvPr>
-        </p:nvSpPr>
-        <p:spPr/>
-        <p:txBody>
-          <a:bodyPr/>
-          <a:lstStyle/>
-          <a:p>
-            <a:r>
-              <a:rPr lang="en-US" dirty="0" smtClean="0"/>
-              <a:t>What is a Module?</a:t>
-            </a:r>
-            <a:endParaRPr lang="en-US" dirty="0"/>
-          </a:p>
-        </p:txBody>
-      </p:sp>
-      <p:sp>
-        <p:nvSpPr>
-          <p:cNvPr id="3" name="TextBox 2"/>
-          <p:cNvSpPr txBox="1"/>
-          <p:nvPr/>
-        </p:nvSpPr>
-        <p:spPr>
-          <a:xfrm>
-            <a:off x="2635936" y="1324972"/>
-            <a:ext cx="3962849" cy="830997"/>
-          </a:xfrm>
-          <a:prstGeom prst="rect">
-            <a:avLst/>
-          </a:prstGeom>
-          <a:noFill/>
-        </p:spPr>
-        <p:txBody>
-          <a:bodyPr wrap="square" rtlCol="0">
-            <a:spAutoFit/>
-          </a:bodyPr>
-          <a:lstStyle/>
-          <a:p>
-            <a:r>
-              <a:rPr lang="en-US" sz="2400" dirty="0"/>
-              <a:t>A Module is some </a:t>
-            </a:r>
-            <a:r>
-              <a:rPr lang="en-US" sz="2400" dirty="0" smtClean="0"/>
-              <a:t>JavaScript </a:t>
-            </a:r>
-            <a:r>
-              <a:rPr lang="en-US" sz="2400" dirty="0"/>
-              <a:t>paired with a package.json file</a:t>
-            </a:r>
-          </a:p>
-        </p:txBody>
-      </p:sp>
-      <p:pic>
-        <p:nvPicPr>
-          <p:cNvPr id="4" name="Picture 3" descr="javascript_icon.png"/>
-          <p:cNvPicPr>
-            <a:picLocks noChangeAspect="1"/>
-          </p:cNvPicPr>
-          <p:nvPr/>
-        </p:nvPicPr>
-        <p:blipFill>
-          <a:blip r:embed="rId3">
-            <a:extLst>
-              <a:ext uri="{28A0092B-C50C-407E-A947-70E740481C1C}">
-                <a14:useLocalDpi xmlns:a14="http://schemas.microsoft.com/office/drawing/2010/main" val="0"/>
-              </a:ext>
-            </a:extLst>
-          </a:blip>
-          <a:stretch>
-            <a:fillRect/>
-          </a:stretch>
-        </p:blipFill>
-        <p:spPr>
-          <a:xfrm>
-            <a:off x="1935534" y="2648421"/>
-            <a:ext cx="1828800" cy="1828800"/>
-          </a:xfrm>
-          <a:prstGeom prst="rect">
-            <a:avLst/>
-          </a:prstGeom>
-        </p:spPr>
-      </p:pic>
-      <p:pic>
-        <p:nvPicPr>
-          <p:cNvPr id="5" name="Picture 4" descr="json_icon.png"/>
-          <p:cNvPicPr>
-            <a:picLocks noChangeAspect="1"/>
-          </p:cNvPicPr>
-          <p:nvPr/>
-        </p:nvPicPr>
-        <p:blipFill>
-          <a:blip r:embed="rId4">
-            <a:extLst>
-              <a:ext uri="{28A0092B-C50C-407E-A947-70E740481C1C}">
-                <a14:useLocalDpi xmlns:a14="http://schemas.microsoft.com/office/drawing/2010/main" val="0"/>
-              </a:ext>
-            </a:extLst>
-          </a:blip>
-          <a:stretch>
-            <a:fillRect/>
-          </a:stretch>
-        </p:blipFill>
-        <p:spPr>
-          <a:xfrm>
-            <a:off x="5583786" y="2648421"/>
-            <a:ext cx="1828800" cy="1828800"/>
-          </a:xfrm>
-          <a:prstGeom prst="rect">
-            <a:avLst/>
-          </a:prstGeom>
-        </p:spPr>
-      </p:pic>
-      <p:sp>
-        <p:nvSpPr>
-          <p:cNvPr id="6" name="TextBox 5"/>
-          <p:cNvSpPr txBox="1"/>
-          <p:nvPr/>
-        </p:nvSpPr>
-        <p:spPr>
-          <a:xfrm>
-            <a:off x="4224189" y="2829841"/>
-            <a:ext cx="695623" cy="1323439"/>
-          </a:xfrm>
-          <a:prstGeom prst="rect">
-            <a:avLst/>
-          </a:prstGeom>
-          <a:noFill/>
-        </p:spPr>
-        <p:txBody>
-          <a:bodyPr wrap="none" rtlCol="0">
-            <a:spAutoFit/>
-          </a:bodyPr>
-          <a:lstStyle/>
-          <a:p>
-            <a:r>
-              <a:rPr lang="en-US" sz="8000" dirty="0" smtClean="0"/>
-              <a:t>+</a:t>
-            </a:r>
-            <a:endParaRPr lang="en-US" sz="8000" dirty="0"/>
-          </a:p>
-        </p:txBody>
-      </p:sp>
-    </p:spTree>
-    <p:extLst>
-      <p:ext uri="{BB962C8B-B14F-4D97-AF65-F5344CB8AC3E}">
-        <p14:creationId xmlns:p14="http://schemas.microsoft.com/office/powerpoint/2010/main" val="4206617975"/>
-      </p:ext>
-    </p:extLst>
-  </p:cSld>
-  <p:clrMapOvr>
-    <a:masterClrMapping/>
-  </p:clrMapOvr>
-  <p:timing>
-    <p:tnLst>
-      <p:par>
-        <p:cTn id="1" dur="indefinite" restart="never" nodeType="tmRoot"/>
-      </p:par>
-    </p:tnLst>
-  </p:timing>
-</p:sld>
-</file>
-
-<file path=ppt/slides/slide19.xml><?xml version="1.0" encoding="utf-8"?>
-<p:sld xmlns:a="http://schemas.openxmlformats.org/drawingml/2006/main" xmlns:r="http://schemas.openxmlformats.org/officeDocument/2006/relationships" xmlns:p="http://schemas.openxmlformats.org/presentationml/2006/main">
-  <p:cSld>
-    <p:spTree>
-      <p:nvGrpSpPr>
-        <p:cNvPr id="1" name=""/>
-        <p:cNvGrpSpPr/>
-        <p:nvPr/>
-      </p:nvGrpSpPr>
-      <p:grpSpPr>
-        <a:xfrm>
-          <a:off x="0" y="0"/>
-          <a:ext cx="0" cy="0"/>
-          <a:chOff x="0" y="0"/>
-          <a:chExt cx="0" cy="0"/>
-        </a:xfrm>
-      </p:grpSpPr>
-      <p:sp>
-        <p:nvSpPr>
-          <p:cNvPr id="2" name="Title 1"/>
-          <p:cNvSpPr>
-            <a:spLocks noGrp="1"/>
-          </p:cNvSpPr>
-          <p:nvPr>
-            <p:ph type="title"/>
-          </p:nvPr>
-        </p:nvSpPr>
-        <p:spPr/>
-        <p:txBody>
-          <a:bodyPr/>
-          <a:lstStyle/>
-          <a:p>
-            <a:r>
-              <a:rPr lang="en-US" dirty="0" smtClean="0"/>
-              <a:t>Advantages</a:t>
-            </a:r>
-            <a:endParaRPr lang="en-US" dirty="0"/>
-          </a:p>
-        </p:txBody>
-      </p:sp>
-      <p:sp>
-        <p:nvSpPr>
-          <p:cNvPr id="3" name="Content Placeholder 2"/>
-          <p:cNvSpPr>
-            <a:spLocks noGrp="1"/>
-          </p:cNvSpPr>
-          <p:nvPr>
-            <p:ph idx="1"/>
-          </p:nvPr>
-        </p:nvSpPr>
-        <p:spPr/>
-        <p:txBody>
-          <a:bodyPr/>
-          <a:lstStyle/>
-          <a:p>
-            <a:r>
-              <a:rPr lang="en-US" dirty="0" smtClean="0"/>
-              <a:t>Small pieces, loosely joined</a:t>
-            </a:r>
-          </a:p>
-          <a:p>
-            <a:r>
-              <a:rPr lang="en-US" dirty="0" smtClean="0"/>
-              <a:t>Leverage external packages</a:t>
-            </a:r>
-          </a:p>
-          <a:p>
-            <a:r>
-              <a:rPr lang="en-US" dirty="0" smtClean="0"/>
-              <a:t>Leverage internal packages</a:t>
-            </a:r>
-          </a:p>
-          <a:p>
-            <a:r>
-              <a:rPr lang="en-US" dirty="0" smtClean="0"/>
-              <a:t>Facilitate collaboration</a:t>
-            </a:r>
-          </a:p>
-          <a:p>
-            <a:r>
-              <a:rPr lang="en-US" dirty="0" smtClean="0"/>
-              <a:t>Packages are discoverable in npm</a:t>
-            </a:r>
-            <a:endParaRPr lang="en-US" dirty="0"/>
-          </a:p>
-        </p:txBody>
-      </p:sp>
-    </p:spTree>
-    <p:extLst>
-      <p:ext uri="{BB962C8B-B14F-4D97-AF65-F5344CB8AC3E}">
-        <p14:creationId xmlns:p14="http://schemas.microsoft.com/office/powerpoint/2010/main" val="1093460469"/>
-      </p:ext>
-    </p:extLst>
-  </p:cSld>
-  <p:clrMapOvr>
-    <a:masterClrMapping/>
-  </p:clrMapOvr>
-  <p:timing>
-    <p:tnLst>
-      <p:par>
-        <p:cTn id="1" dur="indefinite" restart="never" nodeType="tmRoot"/>
-      </p:par>
-    </p:tnLst>
-  </p:timing>
 </p:sld>
 </file>
 
